--- a/15- Arquitetura de Negócio para cada Cenário .pptx
+++ b/15- Arquitetura de Negócio para cada Cenário .pptx
@@ -213,7 +213,7 @@
           <a:p>
             <a:fld id="{9B969908-A848-464E-88BF-03E7262BD988}" type="datetimeFigureOut">
               <a:rPr lang="pt-BR" smtClean="0"/>
-              <a:t>05/10/2020</a:t>
+              <a:t>06/10/2020</a:t>
             </a:fld>
             <a:endParaRPr lang="pt-BR"/>
           </a:p>
@@ -1172,7 +1172,7 @@
           <a:p>
             <a:fld id="{F52A253B-BD32-4BA6-90D7-AE153EE3930C}" type="datetimeFigureOut">
               <a:rPr lang="pt-BR" smtClean="0"/>
-              <a:t>05/10/2020</a:t>
+              <a:t>06/10/2020</a:t>
             </a:fld>
             <a:endParaRPr lang="pt-BR"/>
           </a:p>
@@ -1370,7 +1370,7 @@
           <a:p>
             <a:fld id="{F52A253B-BD32-4BA6-90D7-AE153EE3930C}" type="datetimeFigureOut">
               <a:rPr lang="pt-BR" smtClean="0"/>
-              <a:t>05/10/2020</a:t>
+              <a:t>06/10/2020</a:t>
             </a:fld>
             <a:endParaRPr lang="pt-BR"/>
           </a:p>
@@ -1578,7 +1578,7 @@
           <a:p>
             <a:fld id="{F52A253B-BD32-4BA6-90D7-AE153EE3930C}" type="datetimeFigureOut">
               <a:rPr lang="pt-BR" smtClean="0"/>
-              <a:t>05/10/2020</a:t>
+              <a:t>06/10/2020</a:t>
             </a:fld>
             <a:endParaRPr lang="pt-BR"/>
           </a:p>
@@ -4613,7 +4613,7 @@
           <a:p>
             <a:fld id="{F52A253B-BD32-4BA6-90D7-AE153EE3930C}" type="datetimeFigureOut">
               <a:rPr lang="pt-BR" smtClean="0"/>
-              <a:t>05/10/2020</a:t>
+              <a:t>06/10/2020</a:t>
             </a:fld>
             <a:endParaRPr lang="pt-BR"/>
           </a:p>
@@ -5495,7 +5495,7 @@
           <a:p>
             <a:fld id="{F52A253B-BD32-4BA6-90D7-AE153EE3930C}" type="datetimeFigureOut">
               <a:rPr lang="pt-BR" smtClean="0"/>
-              <a:t>05/10/2020</a:t>
+              <a:t>06/10/2020</a:t>
             </a:fld>
             <a:endParaRPr lang="pt-BR"/>
           </a:p>
@@ -5760,7 +5760,7 @@
           <a:p>
             <a:fld id="{F52A253B-BD32-4BA6-90D7-AE153EE3930C}" type="datetimeFigureOut">
               <a:rPr lang="pt-BR" smtClean="0"/>
-              <a:t>05/10/2020</a:t>
+              <a:t>06/10/2020</a:t>
             </a:fld>
             <a:endParaRPr lang="pt-BR"/>
           </a:p>
@@ -6172,7 +6172,7 @@
           <a:p>
             <a:fld id="{F52A253B-BD32-4BA6-90D7-AE153EE3930C}" type="datetimeFigureOut">
               <a:rPr lang="pt-BR" smtClean="0"/>
-              <a:t>05/10/2020</a:t>
+              <a:t>06/10/2020</a:t>
             </a:fld>
             <a:endParaRPr lang="pt-BR"/>
           </a:p>
@@ -6313,7 +6313,7 @@
           <a:p>
             <a:fld id="{F52A253B-BD32-4BA6-90D7-AE153EE3930C}" type="datetimeFigureOut">
               <a:rPr lang="pt-BR" smtClean="0"/>
-              <a:t>05/10/2020</a:t>
+              <a:t>06/10/2020</a:t>
             </a:fld>
             <a:endParaRPr lang="pt-BR"/>
           </a:p>
@@ -6426,7 +6426,7 @@
           <a:p>
             <a:fld id="{F52A253B-BD32-4BA6-90D7-AE153EE3930C}" type="datetimeFigureOut">
               <a:rPr lang="pt-BR" smtClean="0"/>
-              <a:t>05/10/2020</a:t>
+              <a:t>06/10/2020</a:t>
             </a:fld>
             <a:endParaRPr lang="pt-BR"/>
           </a:p>
@@ -6737,7 +6737,7 @@
           <a:p>
             <a:fld id="{F52A253B-BD32-4BA6-90D7-AE153EE3930C}" type="datetimeFigureOut">
               <a:rPr lang="pt-BR" smtClean="0"/>
-              <a:t>05/10/2020</a:t>
+              <a:t>06/10/2020</a:t>
             </a:fld>
             <a:endParaRPr lang="pt-BR"/>
           </a:p>
@@ -7025,7 +7025,7 @@
           <a:p>
             <a:fld id="{F52A253B-BD32-4BA6-90D7-AE153EE3930C}" type="datetimeFigureOut">
               <a:rPr lang="pt-BR" smtClean="0"/>
-              <a:t>05/10/2020</a:t>
+              <a:t>06/10/2020</a:t>
             </a:fld>
             <a:endParaRPr lang="pt-BR"/>
           </a:p>
@@ -7266,7 +7266,7 @@
           <a:p>
             <a:fld id="{F52A253B-BD32-4BA6-90D7-AE153EE3930C}" type="datetimeFigureOut">
               <a:rPr lang="pt-BR" smtClean="0"/>
-              <a:t>05/10/2020</a:t>
+              <a:t>06/10/2020</a:t>
             </a:fld>
             <a:endParaRPr lang="pt-BR"/>
           </a:p>
@@ -12690,6 +12690,17 @@
               </a:buClr>
             </a:pPr>
             <a:r>
+              <a:rPr lang="pt-BR" sz="1400" kern="0">
+                <a:solidFill>
+                  <a:srgbClr val="000000"/>
+                </a:solidFill>
+                <a:ea typeface="Calibri" panose="020F0502020204030204" pitchFamily="34" charset="0"/>
+                <a:cs typeface="Times New Roman" panose="02020603050405020304" pitchFamily="18" charset="0"/>
+                <a:sym typeface="Arial"/>
+              </a:rPr>
+              <a:t>Tratar pagamento </a:t>
+            </a:r>
+            <a:r>
               <a:rPr lang="pt-BR" sz="1400" kern="0" dirty="0">
                 <a:solidFill>
                   <a:srgbClr val="000000"/>
@@ -12698,7 +12709,7 @@
                 <a:cs typeface="Times New Roman" panose="02020603050405020304" pitchFamily="18" charset="0"/>
                 <a:sym typeface="Arial"/>
               </a:rPr>
-              <a:t>Tratar recebimento de serviços realizados</a:t>
+              <a:t>de serviços realizados</a:t>
             </a:r>
           </a:p>
         </p:txBody>
@@ -13375,7 +13386,7 @@
         <p:spPr>
           <a:xfrm>
             <a:off x="6487235" y="2730068"/>
-            <a:ext cx="4394579" cy="1785104"/>
+            <a:ext cx="4394579" cy="1754326"/>
           </a:xfrm>
           <a:prstGeom prst="rect">
             <a:avLst/>
@@ -13477,7 +13488,7 @@
                 <a:cs typeface="Times New Roman"/>
                 <a:sym typeface="Times New Roman"/>
               </a:rPr>
-              <a:t>-  Tratar recebimento de serviços realizados</a:t>
+              <a:t>-  Tratar pagamento de serviços realizados</a:t>
             </a:r>
           </a:p>
         </p:txBody>

--- a/15- Arquitetura de Negócio para cada Cenário .pptx
+++ b/15- Arquitetura de Negócio para cada Cenário .pptx
@@ -10988,7 +10988,7 @@
                 <a:cs typeface="Times New Roman" panose="02020603050405020304" pitchFamily="18" charset="0"/>
                 <a:sym typeface="Arial"/>
               </a:rPr>
-              <a:t>Vender produtos</a:t>
+              <a:t>Vender produtos prontos</a:t>
             </a:r>
           </a:p>
         </p:txBody>
@@ -13244,7 +13244,7 @@
                 <a:cs typeface="Times New Roman"/>
                 <a:sym typeface="Times New Roman"/>
               </a:rPr>
-              <a:t>-  Vender produtos</a:t>
+              <a:t>-  Vender produtos prontos</a:t>
             </a:r>
           </a:p>
         </p:txBody>

--- a/15- Arquitetura de Negócio para cada Cenário .pptx
+++ b/15- Arquitetura de Negócio para cada Cenário .pptx
@@ -11,8 +11,8 @@
   <p:sldIdLst>
     <p:sldId id="256" r:id="rId3"/>
     <p:sldId id="257" r:id="rId4"/>
-    <p:sldId id="259" r:id="rId5"/>
-    <p:sldId id="258" r:id="rId6"/>
+    <p:sldId id="258" r:id="rId5"/>
+    <p:sldId id="259" r:id="rId6"/>
     <p:sldId id="260" r:id="rId7"/>
     <p:sldId id="261" r:id="rId8"/>
     <p:sldId id="262" r:id="rId9"/>
@@ -213,7 +213,7 @@
           <a:p>
             <a:fld id="{9B969908-A848-464E-88BF-03E7262BD988}" type="datetimeFigureOut">
               <a:rPr lang="pt-BR" smtClean="0"/>
-              <a:t>06/10/2020</a:t>
+              <a:t>13/10/2020</a:t>
             </a:fld>
             <a:endParaRPr lang="pt-BR"/>
           </a:p>
@@ -688,7 +688,7 @@
     </p:spTree>
     <p:extLst>
       <p:ext uri="{BB962C8B-B14F-4D97-AF65-F5344CB8AC3E}">
-        <p14:creationId xmlns:p14="http://schemas.microsoft.com/office/powerpoint/2010/main" val="3546090767"/>
+        <p14:creationId xmlns:p14="http://schemas.microsoft.com/office/powerpoint/2010/main" val="4022213548"/>
       </p:ext>
     </p:extLst>
   </p:cSld>
@@ -797,7 +797,7 @@
     </p:spTree>
     <p:extLst>
       <p:ext uri="{BB962C8B-B14F-4D97-AF65-F5344CB8AC3E}">
-        <p14:creationId xmlns:p14="http://schemas.microsoft.com/office/powerpoint/2010/main" val="4022213548"/>
+        <p14:creationId xmlns:p14="http://schemas.microsoft.com/office/powerpoint/2010/main" val="3546090767"/>
       </p:ext>
     </p:extLst>
   </p:cSld>
@@ -1172,7 +1172,7 @@
           <a:p>
             <a:fld id="{F52A253B-BD32-4BA6-90D7-AE153EE3930C}" type="datetimeFigureOut">
               <a:rPr lang="pt-BR" smtClean="0"/>
-              <a:t>06/10/2020</a:t>
+              <a:t>13/10/2020</a:t>
             </a:fld>
             <a:endParaRPr lang="pt-BR"/>
           </a:p>
@@ -1370,7 +1370,7 @@
           <a:p>
             <a:fld id="{F52A253B-BD32-4BA6-90D7-AE153EE3930C}" type="datetimeFigureOut">
               <a:rPr lang="pt-BR" smtClean="0"/>
-              <a:t>06/10/2020</a:t>
+              <a:t>13/10/2020</a:t>
             </a:fld>
             <a:endParaRPr lang="pt-BR"/>
           </a:p>
@@ -1578,7 +1578,7 @@
           <a:p>
             <a:fld id="{F52A253B-BD32-4BA6-90D7-AE153EE3930C}" type="datetimeFigureOut">
               <a:rPr lang="pt-BR" smtClean="0"/>
-              <a:t>06/10/2020</a:t>
+              <a:t>13/10/2020</a:t>
             </a:fld>
             <a:endParaRPr lang="pt-BR"/>
           </a:p>
@@ -4613,7 +4613,7 @@
           <a:p>
             <a:fld id="{F52A253B-BD32-4BA6-90D7-AE153EE3930C}" type="datetimeFigureOut">
               <a:rPr lang="pt-BR" smtClean="0"/>
-              <a:t>06/10/2020</a:t>
+              <a:t>13/10/2020</a:t>
             </a:fld>
             <a:endParaRPr lang="pt-BR"/>
           </a:p>
@@ -5495,7 +5495,7 @@
           <a:p>
             <a:fld id="{F52A253B-BD32-4BA6-90D7-AE153EE3930C}" type="datetimeFigureOut">
               <a:rPr lang="pt-BR" smtClean="0"/>
-              <a:t>06/10/2020</a:t>
+              <a:t>13/10/2020</a:t>
             </a:fld>
             <a:endParaRPr lang="pt-BR"/>
           </a:p>
@@ -5760,7 +5760,7 @@
           <a:p>
             <a:fld id="{F52A253B-BD32-4BA6-90D7-AE153EE3930C}" type="datetimeFigureOut">
               <a:rPr lang="pt-BR" smtClean="0"/>
-              <a:t>06/10/2020</a:t>
+              <a:t>13/10/2020</a:t>
             </a:fld>
             <a:endParaRPr lang="pt-BR"/>
           </a:p>
@@ -6172,7 +6172,7 @@
           <a:p>
             <a:fld id="{F52A253B-BD32-4BA6-90D7-AE153EE3930C}" type="datetimeFigureOut">
               <a:rPr lang="pt-BR" smtClean="0"/>
-              <a:t>06/10/2020</a:t>
+              <a:t>13/10/2020</a:t>
             </a:fld>
             <a:endParaRPr lang="pt-BR"/>
           </a:p>
@@ -6313,7 +6313,7 @@
           <a:p>
             <a:fld id="{F52A253B-BD32-4BA6-90D7-AE153EE3930C}" type="datetimeFigureOut">
               <a:rPr lang="pt-BR" smtClean="0"/>
-              <a:t>06/10/2020</a:t>
+              <a:t>13/10/2020</a:t>
             </a:fld>
             <a:endParaRPr lang="pt-BR"/>
           </a:p>
@@ -6426,7 +6426,7 @@
           <a:p>
             <a:fld id="{F52A253B-BD32-4BA6-90D7-AE153EE3930C}" type="datetimeFigureOut">
               <a:rPr lang="pt-BR" smtClean="0"/>
-              <a:t>06/10/2020</a:t>
+              <a:t>13/10/2020</a:t>
             </a:fld>
             <a:endParaRPr lang="pt-BR"/>
           </a:p>
@@ -6737,7 +6737,7 @@
           <a:p>
             <a:fld id="{F52A253B-BD32-4BA6-90D7-AE153EE3930C}" type="datetimeFigureOut">
               <a:rPr lang="pt-BR" smtClean="0"/>
-              <a:t>06/10/2020</a:t>
+              <a:t>13/10/2020</a:t>
             </a:fld>
             <a:endParaRPr lang="pt-BR"/>
           </a:p>
@@ -7025,7 +7025,7 @@
           <a:p>
             <a:fld id="{F52A253B-BD32-4BA6-90D7-AE153EE3930C}" type="datetimeFigureOut">
               <a:rPr lang="pt-BR" smtClean="0"/>
-              <a:t>06/10/2020</a:t>
+              <a:t>13/10/2020</a:t>
             </a:fld>
             <a:endParaRPr lang="pt-BR"/>
           </a:p>
@@ -7266,7 +7266,7 @@
           <a:p>
             <a:fld id="{F52A253B-BD32-4BA6-90D7-AE153EE3930C}" type="datetimeFigureOut">
               <a:rPr lang="pt-BR" smtClean="0"/>
-              <a:t>06/10/2020</a:t>
+              <a:t>13/10/2020</a:t>
             </a:fld>
             <a:endParaRPr lang="pt-BR"/>
           </a:p>
@@ -9207,16 +9207,15 @@
                 <a:cs typeface="Times New Roman"/>
                 <a:sym typeface="Arial"/>
               </a:rPr>
-              <a:t>Comprar produtos prontos</a:t>
+              <a:t>Retirar produtos</a:t>
             </a:r>
             <a:endParaRPr lang="pt-BR" kern="0" dirty="0">
               <a:solidFill>
                 <a:srgbClr val="000000"/>
               </a:solidFill>
               <a:latin typeface="Arial"/>
-              <a:ea typeface="Times New Roman"/>
+              <a:ea typeface="Calibri" panose="020F0502020204030204" pitchFamily="34" charset="0"/>
               <a:cs typeface="Times New Roman"/>
-              <a:sym typeface="Times New Roman"/>
             </a:endParaRPr>
           </a:p>
           <a:p>
@@ -9238,15 +9237,16 @@
                 <a:cs typeface="Times New Roman"/>
                 <a:sym typeface="Arial"/>
               </a:rPr>
-              <a:t>Retirar produtos</a:t>
+              <a:t>Comprar produtos prontos</a:t>
             </a:r>
             <a:endParaRPr lang="pt-BR" kern="0" dirty="0">
               <a:solidFill>
                 <a:srgbClr val="000000"/>
               </a:solidFill>
               <a:latin typeface="Arial"/>
-              <a:ea typeface="Calibri" panose="020F0502020204030204" pitchFamily="34" charset="0"/>
+              <a:ea typeface="Times New Roman"/>
               <a:cs typeface="Times New Roman"/>
+              <a:sym typeface="Times New Roman"/>
             </a:endParaRPr>
           </a:p>
           <a:p>
@@ -10611,7 +10611,7 @@
         <p:spPr>
           <a:xfrm>
             <a:off x="651333" y="322833"/>
-            <a:ext cx="6262936" cy="739600"/>
+            <a:ext cx="4626400" cy="739600"/>
           </a:xfrm>
           <a:prstGeom prst="rect">
             <a:avLst/>
@@ -10651,11 +10651,18 @@
                 </a:solidFill>
                 <a:latin typeface="+mj-lt"/>
                 <a:ea typeface="Calibri" panose="020F0502020204030204" pitchFamily="34" charset="0"/>
-                <a:cs typeface="Times New Roman"/>
+                <a:cs typeface="Times New Roman" panose="02020603050405020304" pitchFamily="18" charset="0"/>
                 <a:sym typeface="Arial"/>
               </a:rPr>
-              <a:t>Comprar produtos prontos</a:t>
-            </a:r>
+              <a:t>Retirar produtos</a:t>
+            </a:r>
+          </a:p>
+          <a:p>
+            <a:pPr defTabSz="1219170">
+              <a:buClr>
+                <a:srgbClr val="000000"/>
+              </a:buClr>
+            </a:pPr>
             <a:endParaRPr sz="2667" b="1" kern="0" dirty="0">
               <a:solidFill>
                 <a:srgbClr val="000000"/>
@@ -10742,7 +10749,6 @@
                 <a:solidFill>
                   <a:srgbClr val="FFFFFF"/>
                 </a:solidFill>
-                <a:latin typeface="+mj-lt"/>
                 <a:ea typeface="Times New Roman"/>
                 <a:cs typeface="Times New Roman"/>
                 <a:sym typeface="Times New Roman"/>
@@ -10753,7 +10759,6 @@
               <a:solidFill>
                 <a:srgbClr val="FFFFFF"/>
               </a:solidFill>
-              <a:latin typeface="+mj-lt"/>
               <a:ea typeface="Times New Roman"/>
               <a:cs typeface="Times New Roman"/>
               <a:sym typeface="Times New Roman"/>
@@ -10840,7 +10845,6 @@
               <a:solidFill>
                 <a:srgbClr val="000000"/>
               </a:solidFill>
-              <a:latin typeface="+mj-lt"/>
               <a:ea typeface="Calibri" panose="020F0502020204030204" pitchFamily="34" charset="0"/>
               <a:cs typeface="Times New Roman" panose="02020603050405020304" pitchFamily="18" charset="0"/>
               <a:sym typeface="Arial"/>
@@ -10857,7 +10861,6 @@
                 <a:solidFill>
                   <a:srgbClr val="000000"/>
                 </a:solidFill>
-                <a:latin typeface="+mj-lt"/>
                 <a:ea typeface="Calibri" panose="020F0502020204030204" pitchFamily="34" charset="0"/>
                 <a:cs typeface="Times New Roman" panose="02020603050405020304" pitchFamily="18" charset="0"/>
                 <a:sym typeface="Arial"/>
@@ -10869,7 +10872,6 @@
                 <a:solidFill>
                   <a:srgbClr val="FFFFFF"/>
                 </a:solidFill>
-                <a:latin typeface="+mj-lt"/>
                 <a:ea typeface="Times New Roman"/>
                 <a:cs typeface="Times New Roman"/>
                 <a:sym typeface="Times New Roman"/>
@@ -10879,7 +10881,6 @@
               <a:solidFill>
                 <a:srgbClr val="FFFFFF"/>
               </a:solidFill>
-              <a:latin typeface="+mj-lt"/>
               <a:ea typeface="Times New Roman"/>
               <a:cs typeface="Times New Roman"/>
               <a:sym typeface="Times New Roman"/>
@@ -10936,8 +10937,8 @@
         </p:nvSpPr>
         <p:spPr>
           <a:xfrm>
-            <a:off x="7932241" y="3978608"/>
-            <a:ext cx="2767604" cy="525153"/>
+            <a:off x="8087841" y="3980453"/>
+            <a:ext cx="2232000" cy="564252"/>
           </a:xfrm>
           <a:prstGeom prst="rect">
             <a:avLst/>
@@ -10983,12 +10984,11 @@
                 <a:solidFill>
                   <a:srgbClr val="000000"/>
                 </a:solidFill>
-                <a:latin typeface="+mj-lt"/>
                 <a:ea typeface="Calibri" panose="020F0502020204030204" pitchFamily="34" charset="0"/>
                 <a:cs typeface="Times New Roman" panose="02020603050405020304" pitchFamily="18" charset="0"/>
                 <a:sym typeface="Arial"/>
               </a:rPr>
-              <a:t>Vender produtos prontos</a:t>
+              <a:t>Tratar saída de produtos</a:t>
             </a:r>
           </a:p>
         </p:txBody>
@@ -11198,7 +11198,7 @@
         <p:spPr>
           <a:xfrm>
             <a:off x="651333" y="322833"/>
-            <a:ext cx="4626400" cy="739600"/>
+            <a:ext cx="6262936" cy="739600"/>
           </a:xfrm>
           <a:prstGeom prst="rect">
             <a:avLst/>
@@ -11238,18 +11238,11 @@
                 </a:solidFill>
                 <a:latin typeface="+mj-lt"/>
                 <a:ea typeface="Calibri" panose="020F0502020204030204" pitchFamily="34" charset="0"/>
-                <a:cs typeface="Times New Roman" panose="02020603050405020304" pitchFamily="18" charset="0"/>
+                <a:cs typeface="Times New Roman"/>
                 <a:sym typeface="Arial"/>
               </a:rPr>
-              <a:t>Retirar produtos</a:t>
-            </a:r>
-          </a:p>
-          <a:p>
-            <a:pPr defTabSz="1219170">
-              <a:buClr>
-                <a:srgbClr val="000000"/>
-              </a:buClr>
-            </a:pPr>
+              <a:t>Comprar produtos prontos</a:t>
+            </a:r>
             <a:endParaRPr sz="2667" b="1" kern="0" dirty="0">
               <a:solidFill>
                 <a:srgbClr val="000000"/>
@@ -11336,6 +11329,7 @@
                 <a:solidFill>
                   <a:srgbClr val="FFFFFF"/>
                 </a:solidFill>
+                <a:latin typeface="+mj-lt"/>
                 <a:ea typeface="Times New Roman"/>
                 <a:cs typeface="Times New Roman"/>
                 <a:sym typeface="Times New Roman"/>
@@ -11346,6 +11340,7 @@
               <a:solidFill>
                 <a:srgbClr val="FFFFFF"/>
               </a:solidFill>
+              <a:latin typeface="+mj-lt"/>
               <a:ea typeface="Times New Roman"/>
               <a:cs typeface="Times New Roman"/>
               <a:sym typeface="Times New Roman"/>
@@ -11432,6 +11427,7 @@
               <a:solidFill>
                 <a:srgbClr val="000000"/>
               </a:solidFill>
+              <a:latin typeface="+mj-lt"/>
               <a:ea typeface="Calibri" panose="020F0502020204030204" pitchFamily="34" charset="0"/>
               <a:cs typeface="Times New Roman" panose="02020603050405020304" pitchFamily="18" charset="0"/>
               <a:sym typeface="Arial"/>
@@ -11448,6 +11444,7 @@
                 <a:solidFill>
                   <a:srgbClr val="000000"/>
                 </a:solidFill>
+                <a:latin typeface="+mj-lt"/>
                 <a:ea typeface="Calibri" panose="020F0502020204030204" pitchFamily="34" charset="0"/>
                 <a:cs typeface="Times New Roman" panose="02020603050405020304" pitchFamily="18" charset="0"/>
                 <a:sym typeface="Arial"/>
@@ -11459,6 +11456,7 @@
                 <a:solidFill>
                   <a:srgbClr val="FFFFFF"/>
                 </a:solidFill>
+                <a:latin typeface="+mj-lt"/>
                 <a:ea typeface="Times New Roman"/>
                 <a:cs typeface="Times New Roman"/>
                 <a:sym typeface="Times New Roman"/>
@@ -11468,6 +11466,7 @@
               <a:solidFill>
                 <a:srgbClr val="FFFFFF"/>
               </a:solidFill>
+              <a:latin typeface="+mj-lt"/>
               <a:ea typeface="Times New Roman"/>
               <a:cs typeface="Times New Roman"/>
               <a:sym typeface="Times New Roman"/>
@@ -11524,8 +11523,8 @@
         </p:nvSpPr>
         <p:spPr>
           <a:xfrm>
-            <a:off x="8087841" y="3980453"/>
-            <a:ext cx="2232000" cy="564252"/>
+            <a:off x="7932241" y="3978608"/>
+            <a:ext cx="2767604" cy="525153"/>
           </a:xfrm>
           <a:prstGeom prst="rect">
             <a:avLst/>
@@ -11571,11 +11570,12 @@
                 <a:solidFill>
                   <a:srgbClr val="000000"/>
                 </a:solidFill>
+                <a:latin typeface="+mj-lt"/>
                 <a:ea typeface="Calibri" panose="020F0502020204030204" pitchFamily="34" charset="0"/>
                 <a:cs typeface="Times New Roman" panose="02020603050405020304" pitchFamily="18" charset="0"/>
                 <a:sym typeface="Arial"/>
               </a:rPr>
-              <a:t>Tratar saída de produtos</a:t>
+              <a:t>Vender produtos prontos</a:t>
             </a:r>
           </a:p>
         </p:txBody>
@@ -13023,7 +13023,7 @@
         </p:nvSpPr>
         <p:spPr>
           <a:xfrm>
-            <a:off x="546452" y="4514152"/>
+            <a:off x="513499" y="2844223"/>
             <a:ext cx="4394579" cy="1200329"/>
           </a:xfrm>
           <a:prstGeom prst="rect">
@@ -13131,7 +13131,7 @@
         </p:nvSpPr>
         <p:spPr>
           <a:xfrm>
-            <a:off x="546639" y="2897176"/>
+            <a:off x="513499" y="4431679"/>
             <a:ext cx="4380016" cy="1200329"/>
           </a:xfrm>
           <a:prstGeom prst="rect">
